--- a/Documents/FINAL/캡스톤_4조_최종데모_v0.5.pptx
+++ b/Documents/FINAL/캡스톤_4조_최종데모_v0.5.pptx
@@ -7775,7 +7775,7 @@
                 <a:ea typeface="함초롬돋움" panose="020B0604000101010101" pitchFamily="50" charset="-127"/>
                 <a:cs typeface="함초롬돋움" panose="020B0604000101010101" pitchFamily="50" charset="-127"/>
               </a:rPr>
-              <a:t>멜로디와 박자를 통해 노래 연습의 결과를 점수로 수치화</a:t>
+              <a:t>박자와 박자를 통해 노래 연습의 결과를 점수로 수치화</a:t>
             </a:r>
             <a:endParaRPr lang="en-US" altLang="ko-KR" sz="1900" dirty="0">
               <a:latin typeface="함초롬돋움" panose="020B0604000101010101" pitchFamily="50" charset="-127"/>
